--- a/doc/Team 10 Presentation.pptx
+++ b/doc/Team 10 Presentation.pptx
@@ -13,11 +13,12 @@
     <p:sldId id="261" r:id="rId7"/>
     <p:sldId id="262" r:id="rId8"/>
     <p:sldId id="263" r:id="rId9"/>
-    <p:sldId id="268" r:id="rId10"/>
-    <p:sldId id="267" r:id="rId11"/>
-    <p:sldId id="259" r:id="rId12"/>
-    <p:sldId id="266" r:id="rId13"/>
-    <p:sldId id="264" r:id="rId14"/>
+    <p:sldId id="269" r:id="rId10"/>
+    <p:sldId id="268" r:id="rId11"/>
+    <p:sldId id="267" r:id="rId12"/>
+    <p:sldId id="259" r:id="rId13"/>
+    <p:sldId id="266" r:id="rId14"/>
+    <p:sldId id="264" r:id="rId15"/>
   </p:sldIdLst>
   <p:sldSz cx="12192000" cy="6858000"/>
   <p:notesSz cx="6858000" cy="9144000"/>
@@ -3476,6 +3477,14 @@
 <file path=ppt/slides/slide10.xml><?xml version="1.0" encoding="utf-8"?>
 <p:sld xmlns:a="http://schemas.openxmlformats.org/drawingml/2006/main" xmlns:r="http://schemas.openxmlformats.org/officeDocument/2006/relationships" xmlns:p="http://schemas.openxmlformats.org/presentationml/2006/main">
   <p:cSld>
+    <p:bg>
+      <p:bgPr>
+        <a:solidFill>
+          <a:schemeClr val="accent1"/>
+        </a:solidFill>
+        <a:effectLst/>
+      </p:bgPr>
+    </p:bg>
     <p:spTree>
       <p:nvGrpSpPr>
         <p:cNvPr id="1" name=""/>
@@ -3492,69 +3501,504 @@
       </p:grpSpPr>
       <p:sp>
         <p:nvSpPr>
-          <p:cNvPr id="2" name="Title 1">
+          <p:cNvPr id="10" name="Rectangle 9">
             <a:extLst>
               <a:ext uri="{FF2B5EF4-FFF2-40B4-BE49-F238E27FC236}">
-                <a16:creationId xmlns:a16="http://schemas.microsoft.com/office/drawing/2014/main" id="{22435063-4669-CCF8-9E98-C4F21DA17B6E}"/>
+                <a16:creationId xmlns:a16="http://schemas.microsoft.com/office/drawing/2014/main" id="{79CBD3C9-4E66-426D-948E-7CF4778107E8}"/>
+              </a:ext>
+              <a:ext uri="{C183D7F6-B498-43B3-948B-1728B52AA6E4}">
+                <adec:decorative xmlns:adec="http://schemas.microsoft.com/office/drawing/2017/decorative" val="1"/>
               </a:ext>
             </a:extLst>
           </p:cNvPr>
           <p:cNvSpPr>
-            <a:spLocks noGrp="1"/>
-          </p:cNvSpPr>
-          <p:nvPr>
-            <p:ph type="title"/>
-          </p:nvPr>
-        </p:nvSpPr>
-        <p:spPr/>
-        <p:txBody>
-          <a:bodyPr/>
-          <a:lstStyle/>
-          <a:p>
-            <a:r>
-              <a:rPr lang="fi-FI" dirty="0" err="1"/>
-              <a:t>Applied</a:t>
-            </a:r>
-            <a:r>
-              <a:rPr lang="fi-FI" dirty="0"/>
-              <a:t> Technologies</a:t>
-            </a:r>
-            <a:endParaRPr lang="en-US" dirty="0"/>
-          </a:p>
-        </p:txBody>
-      </p:sp>
-      <p:sp>
-        <p:nvSpPr>
-          <p:cNvPr id="3" name="Content Placeholder 2">
+            <a:spLocks noGrp="1" noRot="1" noChangeAspect="1" noMove="1" noResize="1" noEditPoints="1" noAdjustHandles="1" noChangeArrowheads="1" noChangeShapeType="1" noTextEdit="1"/>
+          </p:cNvSpPr>
+          <p:nvPr>
+            <p:extLst>
+              <p:ext uri="{386F3935-93C4-4BCD-93E2-E3B085C9AB24}">
+                <p16:designElem xmlns:p16="http://schemas.microsoft.com/office/powerpoint/2015/main" val="1"/>
+              </p:ext>
+            </p:extLst>
+          </p:nvPr>
+        </p:nvSpPr>
+        <p:spPr>
+          <a:xfrm>
+            <a:off x="231140" y="243840"/>
+            <a:ext cx="11724640" cy="6377939"/>
+          </a:xfrm>
+          <a:prstGeom prst="rect">
+            <a:avLst/>
+          </a:prstGeom>
+          <a:solidFill>
+            <a:schemeClr val="bg1"/>
+          </a:solidFill>
+          <a:ln w="12700">
+            <a:noFill/>
+          </a:ln>
+        </p:spPr>
+        <p:style>
+          <a:lnRef idx="2">
+            <a:schemeClr val="accent1">
+              <a:shade val="50000"/>
+            </a:schemeClr>
+          </a:lnRef>
+          <a:fillRef idx="1">
+            <a:schemeClr val="accent1"/>
+          </a:fillRef>
+          <a:effectRef idx="0">
+            <a:schemeClr val="accent1"/>
+          </a:effectRef>
+          <a:fontRef idx="minor">
+            <a:schemeClr val="lt1"/>
+          </a:fontRef>
+        </p:style>
+        <p:txBody>
+          <a:bodyPr/>
+          <a:lstStyle/>
+          <a:p>
+            <a:endParaRPr lang="fi-FI"/>
+          </a:p>
+        </p:txBody>
+      </p:sp>
+      <p:sp>
+        <p:nvSpPr>
+          <p:cNvPr id="12" name="Rectangle 11">
             <a:extLst>
               <a:ext uri="{FF2B5EF4-FFF2-40B4-BE49-F238E27FC236}">
-                <a16:creationId xmlns:a16="http://schemas.microsoft.com/office/drawing/2014/main" id="{77658C37-D951-7D02-B00E-DD003AB1A8F4}"/>
+                <a16:creationId xmlns:a16="http://schemas.microsoft.com/office/drawing/2014/main" id="{DDB95FCF-AD96-482F-9FB8-CD95725E6EFF}"/>
+              </a:ext>
+              <a:ext uri="{C183D7F6-B498-43B3-948B-1728B52AA6E4}">
+                <adec:decorative xmlns:adec="http://schemas.microsoft.com/office/drawing/2017/decorative" val="1"/>
               </a:ext>
             </a:extLst>
           </p:cNvPr>
           <p:cNvSpPr>
-            <a:spLocks noGrp="1"/>
-          </p:cNvSpPr>
+            <a:spLocks noGrp="1" noRot="1" noChangeAspect="1" noMove="1" noResize="1" noEditPoints="1" noAdjustHandles="1" noChangeArrowheads="1" noChangeShapeType="1" noTextEdit="1"/>
+          </p:cNvSpPr>
+          <p:nvPr>
+            <p:extLst>
+              <p:ext uri="{386F3935-93C4-4BCD-93E2-E3B085C9AB24}">
+                <p16:designElem xmlns:p16="http://schemas.microsoft.com/office/powerpoint/2015/main" val="1"/>
+              </p:ext>
+            </p:extLst>
+          </p:nvPr>
+        </p:nvSpPr>
+        <p:spPr>
+          <a:xfrm>
+            <a:off x="231140" y="243840"/>
+            <a:ext cx="11724640" cy="6377939"/>
+          </a:xfrm>
+          <a:prstGeom prst="rect">
+            <a:avLst/>
+          </a:prstGeom>
+          <a:solidFill>
+            <a:schemeClr val="accent1"/>
+          </a:solidFill>
+          <a:ln w="12700">
+            <a:solidFill>
+              <a:srgbClr val="FFFFFF"/>
+            </a:solidFill>
+          </a:ln>
+        </p:spPr>
+        <p:style>
+          <a:lnRef idx="2">
+            <a:schemeClr val="accent1">
+              <a:shade val="50000"/>
+            </a:schemeClr>
+          </a:lnRef>
+          <a:fillRef idx="1">
+            <a:schemeClr val="accent1"/>
+          </a:fillRef>
+          <a:effectRef idx="0">
+            <a:schemeClr val="accent1"/>
+          </a:effectRef>
+          <a:fontRef idx="minor">
+            <a:schemeClr val="lt1"/>
+          </a:fontRef>
+        </p:style>
+        <p:txBody>
+          <a:bodyPr/>
+          <a:lstStyle/>
+          <a:p>
+            <a:endParaRPr lang="fi-FI"/>
+          </a:p>
+        </p:txBody>
+      </p:sp>
+      <p:cxnSp>
+        <p:nvCxnSpPr>
+          <p:cNvPr id="14" name="Straight Connector 13">
+            <a:extLst>
+              <a:ext uri="{FF2B5EF4-FFF2-40B4-BE49-F238E27FC236}">
+                <a16:creationId xmlns:a16="http://schemas.microsoft.com/office/drawing/2014/main" id="{64EEEC00-AD80-4734-BEE6-04CBDEC830C9}"/>
+              </a:ext>
+              <a:ext uri="{C183D7F6-B498-43B3-948B-1728B52AA6E4}">
+                <adec:decorative xmlns:adec="http://schemas.microsoft.com/office/drawing/2017/decorative" val="1"/>
+              </a:ext>
+            </a:extLst>
+          </p:cNvPr>
+          <p:cNvCxnSpPr>
+            <a:cxnSpLocks noGrp="1" noRot="1" noChangeAspect="1" noMove="1" noResize="1" noEditPoints="1" noAdjustHandles="1" noChangeArrowheads="1" noChangeShapeType="1"/>
+          </p:cNvCxnSpPr>
+          <p:nvPr>
+            <p:extLst>
+              <p:ext uri="{386F3935-93C4-4BCD-93E2-E3B085C9AB24}">
+                <p16:designElem xmlns:p16="http://schemas.microsoft.com/office/powerpoint/2015/main" val="1"/>
+              </p:ext>
+            </p:extLst>
+          </p:nvPr>
+        </p:nvCxnSpPr>
+        <p:spPr>
+          <a:xfrm>
+            <a:off x="1978660" y="3733800"/>
+            <a:ext cx="8229601" cy="0"/>
+          </a:xfrm>
+          <a:prstGeom prst="line">
+            <a:avLst/>
+          </a:prstGeom>
+          <a:ln>
+            <a:solidFill>
+              <a:srgbClr val="FFFFFF"/>
+            </a:solidFill>
+          </a:ln>
+        </p:spPr>
+        <p:style>
+          <a:lnRef idx="1">
+            <a:schemeClr val="accent1"/>
+          </a:lnRef>
+          <a:fillRef idx="0">
+            <a:schemeClr val="accent1"/>
+          </a:fillRef>
+          <a:effectRef idx="0">
+            <a:schemeClr val="accent1"/>
+          </a:effectRef>
+          <a:fontRef idx="minor">
+            <a:schemeClr val="tx1"/>
+          </a:fontRef>
+        </p:style>
+      </p:cxnSp>
+      <p:sp>
+        <p:nvSpPr>
+          <p:cNvPr id="16" name="Rectangle 15">
+            <a:extLst>
+              <a:ext uri="{FF2B5EF4-FFF2-40B4-BE49-F238E27FC236}">
+                <a16:creationId xmlns:a16="http://schemas.microsoft.com/office/drawing/2014/main" id="{2ED84DD6-8A68-4994-8094-8DDBE89BF353}"/>
+              </a:ext>
+              <a:ext uri="{C183D7F6-B498-43B3-948B-1728B52AA6E4}">
+                <adec:decorative xmlns:adec="http://schemas.microsoft.com/office/drawing/2017/decorative" val="1"/>
+              </a:ext>
+            </a:extLst>
+          </p:cNvPr>
+          <p:cNvSpPr>
+            <a:spLocks noGrp="1" noRot="1" noChangeAspect="1" noMove="1" noResize="1" noEditPoints="1" noAdjustHandles="1" noChangeArrowheads="1" noChangeShapeType="1" noTextEdit="1"/>
+          </p:cNvSpPr>
+          <p:nvPr>
+            <p:extLst>
+              <p:ext uri="{386F3935-93C4-4BCD-93E2-E3B085C9AB24}">
+                <p16:designElem xmlns:p16="http://schemas.microsoft.com/office/powerpoint/2015/main" val="1"/>
+              </p:ext>
+            </p:extLst>
+          </p:nvPr>
+        </p:nvSpPr>
+        <p:spPr>
+          <a:xfrm>
+            <a:off x="231140" y="243840"/>
+            <a:ext cx="11722100" cy="6377939"/>
+          </a:xfrm>
+          <a:prstGeom prst="rect">
+            <a:avLst/>
+          </a:prstGeom>
+          <a:solidFill>
+            <a:schemeClr val="bg1"/>
+          </a:solidFill>
+          <a:ln w="12700">
+            <a:solidFill>
+              <a:srgbClr val="FFFFFF"/>
+            </a:solidFill>
+          </a:ln>
+        </p:spPr>
+        <p:style>
+          <a:lnRef idx="2">
+            <a:schemeClr val="accent1">
+              <a:shade val="50000"/>
+            </a:schemeClr>
+          </a:lnRef>
+          <a:fillRef idx="1">
+            <a:schemeClr val="accent1"/>
+          </a:fillRef>
+          <a:effectRef idx="0">
+            <a:schemeClr val="accent1"/>
+          </a:effectRef>
+          <a:fontRef idx="minor">
+            <a:schemeClr val="lt1"/>
+          </a:fontRef>
+        </p:style>
+        <p:txBody>
+          <a:bodyPr/>
+          <a:lstStyle/>
+          <a:p>
+            <a:endParaRPr lang="fi-FI"/>
+          </a:p>
+        </p:txBody>
+      </p:sp>
+      <p:sp>
+        <p:nvSpPr>
+          <p:cNvPr id="18" name="Rectangle 17">
+            <a:extLst>
+              <a:ext uri="{FF2B5EF4-FFF2-40B4-BE49-F238E27FC236}">
+                <a16:creationId xmlns:a16="http://schemas.microsoft.com/office/drawing/2014/main" id="{176049D7-366E-4AC9-B689-460CC28F8E70}"/>
+              </a:ext>
+              <a:ext uri="{C183D7F6-B498-43B3-948B-1728B52AA6E4}">
+                <adec:decorative xmlns:adec="http://schemas.microsoft.com/office/drawing/2017/decorative" val="1"/>
+              </a:ext>
+            </a:extLst>
+          </p:cNvPr>
+          <p:cNvSpPr>
+            <a:spLocks noGrp="1" noRot="1" noChangeAspect="1" noMove="1" noResize="1" noEditPoints="1" noAdjustHandles="1" noChangeArrowheads="1" noChangeShapeType="1" noTextEdit="1"/>
+          </p:cNvSpPr>
+          <p:nvPr>
+            <p:extLst>
+              <p:ext uri="{386F3935-93C4-4BCD-93E2-E3B085C9AB24}">
+                <p16:designElem xmlns:p16="http://schemas.microsoft.com/office/powerpoint/2015/main" val="1"/>
+              </p:ext>
+            </p:extLst>
+          </p:nvPr>
+        </p:nvSpPr>
+        <p:spPr>
+          <a:xfrm>
+            <a:off x="7552944" y="246887"/>
+            <a:ext cx="4397755" cy="6377939"/>
+          </a:xfrm>
+          <a:prstGeom prst="rect">
+            <a:avLst/>
+          </a:prstGeom>
+          <a:solidFill>
+            <a:srgbClr val="A6B727"/>
+          </a:solidFill>
+          <a:ln w="12700">
+            <a:solidFill>
+              <a:srgbClr val="FFFFFF"/>
+            </a:solidFill>
+          </a:ln>
+        </p:spPr>
+        <p:style>
+          <a:lnRef idx="2">
+            <a:schemeClr val="accent1">
+              <a:shade val="50000"/>
+            </a:schemeClr>
+          </a:lnRef>
+          <a:fillRef idx="1">
+            <a:schemeClr val="accent1"/>
+          </a:fillRef>
+          <a:effectRef idx="0">
+            <a:schemeClr val="accent1"/>
+          </a:effectRef>
+          <a:fontRef idx="minor">
+            <a:schemeClr val="lt1"/>
+          </a:fontRef>
+        </p:style>
+        <p:txBody>
+          <a:bodyPr/>
+          <a:lstStyle/>
+          <a:p>
+            <a:endParaRPr lang="fi-FI"/>
+          </a:p>
+        </p:txBody>
+      </p:sp>
+      <p:cxnSp>
+        <p:nvCxnSpPr>
+          <p:cNvPr id="20" name="Straight Connector 19">
+            <a:extLst>
+              <a:ext uri="{FF2B5EF4-FFF2-40B4-BE49-F238E27FC236}">
+                <a16:creationId xmlns:a16="http://schemas.microsoft.com/office/drawing/2014/main" id="{BC9E91F8-C4AE-4EB0-8B76-FF3F3FC7183D}"/>
+              </a:ext>
+              <a:ext uri="{C183D7F6-B498-43B3-948B-1728B52AA6E4}">
+                <adec:decorative xmlns:adec="http://schemas.microsoft.com/office/drawing/2017/decorative" val="1"/>
+              </a:ext>
+            </a:extLst>
+          </p:cNvPr>
+          <p:cNvCxnSpPr>
+            <a:cxnSpLocks noGrp="1" noRot="1" noChangeAspect="1" noMove="1" noResize="1" noEditPoints="1" noAdjustHandles="1" noChangeArrowheads="1" noChangeShapeType="1"/>
+          </p:cNvCxnSpPr>
+          <p:nvPr>
+            <p:extLst>
+              <p:ext uri="{386F3935-93C4-4BCD-93E2-E3B085C9AB24}">
+                <p16:designElem xmlns:p16="http://schemas.microsoft.com/office/powerpoint/2015/main" val="1"/>
+              </p:ext>
+            </p:extLst>
+          </p:nvPr>
+        </p:nvCxnSpPr>
+        <p:spPr>
+          <a:xfrm>
+            <a:off x="8370284" y="4405863"/>
+            <a:ext cx="2763075" cy="0"/>
+          </a:xfrm>
+          <a:prstGeom prst="line">
+            <a:avLst/>
+          </a:prstGeom>
+          <a:ln>
+            <a:solidFill>
+              <a:srgbClr val="FFFFFF"/>
+            </a:solidFill>
+          </a:ln>
+        </p:spPr>
+        <p:style>
+          <a:lnRef idx="1">
+            <a:schemeClr val="accent1"/>
+          </a:lnRef>
+          <a:fillRef idx="0">
+            <a:schemeClr val="accent1"/>
+          </a:fillRef>
+          <a:effectRef idx="0">
+            <a:schemeClr val="accent1"/>
+          </a:effectRef>
+          <a:fontRef idx="minor">
+            <a:schemeClr val="tx1"/>
+          </a:fontRef>
+        </p:style>
+      </p:cxnSp>
+      <p:sp>
+        <p:nvSpPr>
+          <p:cNvPr id="22" name="Rectangle 21">
+            <a:extLst>
+              <a:ext uri="{FF2B5EF4-FFF2-40B4-BE49-F238E27FC236}">
+                <a16:creationId xmlns:a16="http://schemas.microsoft.com/office/drawing/2014/main" id="{4AD45A04-4150-4943-BB06-EEEDDD73BFCE}"/>
+              </a:ext>
+              <a:ext uri="{C183D7F6-B498-43B3-948B-1728B52AA6E4}">
+                <adec:decorative xmlns:adec="http://schemas.microsoft.com/office/drawing/2017/decorative" val="1"/>
+              </a:ext>
+            </a:extLst>
+          </p:cNvPr>
+          <p:cNvSpPr>
+            <a:spLocks noGrp="1" noRot="1" noChangeAspect="1" noMove="1" noResize="1" noEditPoints="1" noAdjustHandles="1" noChangeArrowheads="1" noChangeShapeType="1" noTextEdit="1"/>
+          </p:cNvSpPr>
+          <p:nvPr>
+            <p:extLst>
+              <p:ext uri="{386F3935-93C4-4BCD-93E2-E3B085C9AB24}">
+                <p16:designElem xmlns:p16="http://schemas.microsoft.com/office/powerpoint/2015/main" val="1"/>
+              </p:ext>
+            </p:extLst>
+          </p:nvPr>
+        </p:nvSpPr>
+        <p:spPr>
+          <a:xfrm>
+            <a:off x="228600" y="246888"/>
+            <a:ext cx="11724640" cy="6377939"/>
+          </a:xfrm>
+          <a:prstGeom prst="rect">
+            <a:avLst/>
+          </a:prstGeom>
+          <a:noFill/>
+          <a:ln w="12700">
+            <a:solidFill>
+              <a:srgbClr val="FFFFFF"/>
+            </a:solidFill>
+          </a:ln>
+        </p:spPr>
+        <p:style>
+          <a:lnRef idx="2">
+            <a:schemeClr val="accent1">
+              <a:shade val="50000"/>
+            </a:schemeClr>
+          </a:lnRef>
+          <a:fillRef idx="1">
+            <a:schemeClr val="accent1"/>
+          </a:fillRef>
+          <a:effectRef idx="0">
+            <a:schemeClr val="accent1"/>
+          </a:effectRef>
+          <a:fontRef idx="minor">
+            <a:schemeClr val="lt1"/>
+          </a:fontRef>
+        </p:style>
+        <p:txBody>
+          <a:bodyPr/>
+          <a:lstStyle/>
+          <a:p>
+            <a:endParaRPr lang="en-US" dirty="0"/>
+          </a:p>
+        </p:txBody>
+      </p:sp>
+      <p:sp>
+        <p:nvSpPr>
+          <p:cNvPr id="2" name="Otsikko 1">
+            <a:extLst>
+              <a:ext uri="{FF2B5EF4-FFF2-40B4-BE49-F238E27FC236}">
+                <a16:creationId xmlns:a16="http://schemas.microsoft.com/office/drawing/2014/main" id="{16844036-A742-44F2-288E-2DD6B8806BF2}"/>
+              </a:ext>
+            </a:extLst>
+          </p:cNvPr>
+          <p:cNvSpPr>
+            <a:spLocks noGrp="1"/>
+          </p:cNvSpPr>
+          <p:nvPr>
+            <p:ph type="title"/>
+          </p:nvPr>
+        </p:nvSpPr>
+        <p:spPr>
+          <a:xfrm>
+            <a:off x="8195138" y="857675"/>
+            <a:ext cx="3113366" cy="3622844"/>
+          </a:xfrm>
+        </p:spPr>
+        <p:txBody>
+          <a:bodyPr vert="horz" lIns="91440" tIns="45720" rIns="91440" bIns="45720" rtlCol="0" anchor="b">
+            <a:normAutofit/>
+          </a:bodyPr>
+          <a:lstStyle/>
+          <a:p>
+            <a:pPr algn="ctr">
+              <a:lnSpc>
+                <a:spcPct val="85000"/>
+              </a:lnSpc>
+            </a:pPr>
+            <a:r>
+              <a:rPr lang="en-US" sz="4600" b="1" cap="all">
+                <a:solidFill>
+                  <a:srgbClr val="FFFFFF"/>
+                </a:solidFill>
+              </a:rPr>
+              <a:t>Database Schema Diagram</a:t>
+            </a:r>
+          </a:p>
+        </p:txBody>
+      </p:sp>
+      <p:pic>
+        <p:nvPicPr>
+          <p:cNvPr id="5" name="Sisällön paikkamerkki 4">
+            <a:extLst>
+              <a:ext uri="{FF2B5EF4-FFF2-40B4-BE49-F238E27FC236}">
+                <a16:creationId xmlns:a16="http://schemas.microsoft.com/office/drawing/2014/main" id="{562CA58E-EE88-F8B7-9283-0CDF60907524}"/>
+              </a:ext>
+            </a:extLst>
+          </p:cNvPr>
+          <p:cNvPicPr>
+            <a:picLocks noGrp="1" noChangeAspect="1"/>
+          </p:cNvPicPr>
           <p:nvPr>
             <p:ph idx="1"/>
           </p:nvPr>
-        </p:nvSpPr>
-        <p:spPr/>
-        <p:txBody>
-          <a:bodyPr/>
-          <a:lstStyle/>
-          <a:p>
-            <a:pPr marL="0" indent="0">
-              <a:buNone/>
-            </a:pPr>
-            <a:endParaRPr lang="fi-FI" dirty="0"/>
-          </a:p>
-        </p:txBody>
-      </p:sp>
+        </p:nvPicPr>
+        <p:blipFill>
+          <a:blip r:embed="rId2"/>
+          <a:stretch>
+            <a:fillRect/>
+          </a:stretch>
+        </p:blipFill>
+        <p:spPr>
+          <a:xfrm>
+            <a:off x="790576" y="478947"/>
+            <a:ext cx="5809892" cy="5519397"/>
+          </a:xfrm>
+          <a:prstGeom prst="rect">
+            <a:avLst/>
+          </a:prstGeom>
+        </p:spPr>
+      </p:pic>
     </p:spTree>
     <p:extLst>
       <p:ext uri="{BB962C8B-B14F-4D97-AF65-F5344CB8AC3E}">
-        <p14:creationId xmlns:p14="http://schemas.microsoft.com/office/powerpoint/2010/main" val="306773770"/>
+        <p14:creationId xmlns:p14="http://schemas.microsoft.com/office/powerpoint/2010/main" val="2541448107"/>
       </p:ext>
     </p:extLst>
   </p:cSld>
@@ -3586,7 +4030,7 @@
           <p:cNvPr id="2" name="Title 1">
             <a:extLst>
               <a:ext uri="{FF2B5EF4-FFF2-40B4-BE49-F238E27FC236}">
-                <a16:creationId xmlns:a16="http://schemas.microsoft.com/office/drawing/2014/main" id="{282D70D9-9711-4D97-9C73-27195EADE65B}"/>
+                <a16:creationId xmlns:a16="http://schemas.microsoft.com/office/drawing/2014/main" id="{22435063-4669-CCF8-9E98-C4F21DA17B6E}"/>
               </a:ext>
             </a:extLst>
           </p:cNvPr>
@@ -3603,9 +4047,14 @@
           <a:lstStyle/>
           <a:p>
             <a:r>
-              <a:rPr lang="en-US" dirty="0"/>
-              <a:t>Demo</a:t>
-            </a:r>
+              <a:rPr lang="fi-FI" dirty="0" err="1"/>
+              <a:t>Applied</a:t>
+            </a:r>
+            <a:r>
+              <a:rPr lang="fi-FI" dirty="0"/>
+              <a:t> Technologies</a:t>
+            </a:r>
+            <a:endParaRPr lang="en-US" dirty="0"/>
           </a:p>
         </p:txBody>
       </p:sp>
@@ -3614,7 +4063,7 @@
           <p:cNvPr id="3" name="Content Placeholder 2">
             <a:extLst>
               <a:ext uri="{FF2B5EF4-FFF2-40B4-BE49-F238E27FC236}">
-                <a16:creationId xmlns:a16="http://schemas.microsoft.com/office/drawing/2014/main" id="{6089A3C9-916A-4C2D-B445-AED9995A81B7}"/>
+                <a16:creationId xmlns:a16="http://schemas.microsoft.com/office/drawing/2014/main" id="{77658C37-D951-7D02-B00E-DD003AB1A8F4}"/>
               </a:ext>
             </a:extLst>
           </p:cNvPr>
@@ -3622,7 +4071,7 @@
             <a:spLocks noGrp="1"/>
           </p:cNvSpPr>
           <p:nvPr>
-            <p:ph idx="1"/>
+            <p:ph sz="half" idx="1"/>
           </p:nvPr>
         </p:nvSpPr>
         <p:spPr/>
@@ -3630,24 +4079,192 @@
           <a:bodyPr/>
           <a:lstStyle/>
           <a:p>
-            <a:r>
-              <a:rPr lang="en-US" dirty="0"/>
-              <a:t>5 minutes maximum</a:t>
-            </a:r>
-          </a:p>
-          <a:p>
-            <a:pPr lvl="1"/>
-            <a:r>
-              <a:rPr lang="en-US" dirty="0"/>
-              <a:t>Prototype demo</a:t>
-            </a:r>
+            <a:pPr marL="0" indent="0">
+              <a:buNone/>
+            </a:pPr>
+            <a:r>
+              <a:rPr lang="fi-FI" sz="2800" dirty="0" err="1"/>
+              <a:t>Backend</a:t>
+            </a:r>
+            <a:endParaRPr lang="fi-FI" sz="2800" dirty="0"/>
+          </a:p>
+          <a:p>
+            <a:pPr marL="342900" indent="-342900">
+              <a:buFont typeface="Arial" panose="020B0604020202020204" pitchFamily="34" charset="0"/>
+              <a:buChar char="•"/>
+            </a:pPr>
+            <a:r>
+              <a:rPr lang="fi-FI" dirty="0"/>
+              <a:t> Java</a:t>
+            </a:r>
+          </a:p>
+          <a:p>
+            <a:pPr marL="342900" indent="-342900">
+              <a:buFont typeface="Arial" panose="020B0604020202020204" pitchFamily="34" charset="0"/>
+              <a:buChar char="•"/>
+            </a:pPr>
+            <a:r>
+              <a:rPr lang="fi-FI" dirty="0"/>
+              <a:t>Java </a:t>
+            </a:r>
+            <a:r>
+              <a:rPr lang="fi-FI" dirty="0" err="1"/>
+              <a:t>hibernate</a:t>
+            </a:r>
+            <a:r>
+              <a:rPr lang="fi-FI" dirty="0"/>
+              <a:t> </a:t>
+            </a:r>
+            <a:r>
+              <a:rPr lang="fi-FI" dirty="0" err="1"/>
+              <a:t>framework</a:t>
+            </a:r>
+            <a:endParaRPr lang="fi-FI" dirty="0"/>
+          </a:p>
+          <a:p>
+            <a:pPr marL="342900" indent="-342900">
+              <a:buFont typeface="Arial" panose="020B0604020202020204" pitchFamily="34" charset="0"/>
+              <a:buChar char="•"/>
+            </a:pPr>
+            <a:r>
+              <a:rPr lang="fi-FI" dirty="0" err="1"/>
+              <a:t>Maven</a:t>
+            </a:r>
+            <a:endParaRPr lang="fi-FI" dirty="0"/>
+          </a:p>
+          <a:p>
+            <a:pPr marL="342900" indent="-342900">
+              <a:buFont typeface="Arial" panose="020B0604020202020204" pitchFamily="34" charset="0"/>
+              <a:buChar char="•"/>
+            </a:pPr>
+            <a:r>
+              <a:rPr lang="fi-FI" dirty="0"/>
+              <a:t>PostgreSQL</a:t>
+            </a:r>
+          </a:p>
+          <a:p>
+            <a:pPr marL="342900" indent="-342900">
+              <a:buFont typeface="Arial" panose="020B0604020202020204" pitchFamily="34" charset="0"/>
+              <a:buChar char="•"/>
+            </a:pPr>
+            <a:r>
+              <a:rPr lang="fi-FI" dirty="0" err="1"/>
+              <a:t>JUnit</a:t>
+            </a:r>
+            <a:r>
+              <a:rPr lang="fi-FI" dirty="0"/>
+              <a:t> 5</a:t>
+            </a:r>
+          </a:p>
+          <a:p>
+            <a:pPr marL="342900" indent="-342900">
+              <a:buFont typeface="Arial" panose="020B0604020202020204" pitchFamily="34" charset="0"/>
+              <a:buChar char="•"/>
+            </a:pPr>
+            <a:r>
+              <a:rPr lang="fi-FI" dirty="0" err="1"/>
+              <a:t>Jenkins</a:t>
+            </a:r>
+            <a:endParaRPr lang="fi-FI" dirty="0"/>
+          </a:p>
+          <a:p>
+            <a:pPr marL="342900" indent="-342900">
+              <a:buFont typeface="Arial" panose="020B0604020202020204" pitchFamily="34" charset="0"/>
+              <a:buChar char="•"/>
+            </a:pPr>
+            <a:r>
+              <a:rPr lang="fi-FI" dirty="0" err="1"/>
+              <a:t>Docker</a:t>
+            </a:r>
+            <a:endParaRPr lang="fi-FI" dirty="0"/>
+          </a:p>
+        </p:txBody>
+      </p:sp>
+      <p:sp>
+        <p:nvSpPr>
+          <p:cNvPr id="4" name="Sisällön paikkamerkki 3">
+            <a:extLst>
+              <a:ext uri="{FF2B5EF4-FFF2-40B4-BE49-F238E27FC236}">
+                <a16:creationId xmlns:a16="http://schemas.microsoft.com/office/drawing/2014/main" id="{568BC6D7-AA23-D95A-725D-0C1C43664228}"/>
+              </a:ext>
+            </a:extLst>
+          </p:cNvPr>
+          <p:cNvSpPr>
+            <a:spLocks noGrp="1"/>
+          </p:cNvSpPr>
+          <p:nvPr>
+            <p:ph sz="half" idx="2"/>
+          </p:nvPr>
+        </p:nvSpPr>
+        <p:spPr/>
+        <p:txBody>
+          <a:bodyPr/>
+          <a:lstStyle/>
+          <a:p>
+            <a:pPr marL="45720" indent="0">
+              <a:buNone/>
+            </a:pPr>
+            <a:r>
+              <a:rPr lang="fi-FI" sz="2800" dirty="0" err="1"/>
+              <a:t>Frontend</a:t>
+            </a:r>
+            <a:endParaRPr lang="fi-FI" sz="2800" dirty="0"/>
+          </a:p>
+          <a:p>
+            <a:r>
+              <a:rPr lang="fi-FI" dirty="0" err="1"/>
+              <a:t>TypeScript</a:t>
+            </a:r>
+            <a:endParaRPr lang="fi-FI" dirty="0"/>
+          </a:p>
+          <a:p>
+            <a:r>
+              <a:rPr lang="fi-FI" dirty="0" err="1"/>
+              <a:t>React</a:t>
+            </a:r>
+            <a:endParaRPr lang="fi-FI" dirty="0"/>
+          </a:p>
+          <a:p>
+            <a:r>
+              <a:rPr lang="fi-FI" dirty="0" err="1"/>
+              <a:t>Tailwind</a:t>
+            </a:r>
+            <a:endParaRPr lang="fi-FI" dirty="0"/>
+          </a:p>
+          <a:p>
+            <a:r>
+              <a:rPr lang="fi-FI" dirty="0" err="1"/>
+              <a:t>Npm</a:t>
+            </a:r>
+            <a:endParaRPr lang="fi-FI" dirty="0"/>
+          </a:p>
+          <a:p>
+            <a:r>
+              <a:rPr lang="fi-FI" dirty="0" err="1"/>
+              <a:t>Vite</a:t>
+            </a:r>
+            <a:endParaRPr lang="fi-FI" dirty="0"/>
+          </a:p>
+          <a:p>
+            <a:r>
+              <a:rPr lang="fi-FI" dirty="0" err="1"/>
+              <a:t>Docker</a:t>
+            </a:r>
+            <a:endParaRPr lang="fi-FI" dirty="0"/>
+          </a:p>
+          <a:p>
+            <a:r>
+              <a:rPr lang="fi-FI" dirty="0" err="1"/>
+              <a:t>shadcn</a:t>
+            </a:r>
+            <a:endParaRPr lang="fi-FI" dirty="0"/>
           </a:p>
         </p:txBody>
       </p:sp>
     </p:spTree>
     <p:extLst>
       <p:ext uri="{BB962C8B-B14F-4D97-AF65-F5344CB8AC3E}">
-        <p14:creationId xmlns:p14="http://schemas.microsoft.com/office/powerpoint/2010/main" val="3613473254"/>
+        <p14:creationId xmlns:p14="http://schemas.microsoft.com/office/powerpoint/2010/main" val="306773770"/>
       </p:ext>
     </p:extLst>
   </p:cSld>
@@ -3679,7 +4296,7 @@
           <p:cNvPr id="2" name="Title 1">
             <a:extLst>
               <a:ext uri="{FF2B5EF4-FFF2-40B4-BE49-F238E27FC236}">
-                <a16:creationId xmlns:a16="http://schemas.microsoft.com/office/drawing/2014/main" id="{9332231F-4B89-4B3F-8242-0599760D5888}"/>
+                <a16:creationId xmlns:a16="http://schemas.microsoft.com/office/drawing/2014/main" id="{282D70D9-9711-4D97-9C73-27195EADE65B}"/>
               </a:ext>
             </a:extLst>
           </p:cNvPr>
@@ -3697,7 +4314,7 @@
           <a:p>
             <a:r>
               <a:rPr lang="en-US" dirty="0"/>
-              <a:t>Learning achievement</a:t>
+              <a:t>Demo</a:t>
             </a:r>
           </a:p>
         </p:txBody>
@@ -3707,7 +4324,7 @@
           <p:cNvPr id="3" name="Content Placeholder 2">
             <a:extLst>
               <a:ext uri="{FF2B5EF4-FFF2-40B4-BE49-F238E27FC236}">
-                <a16:creationId xmlns:a16="http://schemas.microsoft.com/office/drawing/2014/main" id="{140035AD-6BAC-4684-8136-993DD8E14335}"/>
+                <a16:creationId xmlns:a16="http://schemas.microsoft.com/office/drawing/2014/main" id="{6089A3C9-916A-4C2D-B445-AED9995A81B7}"/>
               </a:ext>
             </a:extLst>
           </p:cNvPr>
@@ -3723,14 +4340,24 @@
           <a:bodyPr/>
           <a:lstStyle/>
           <a:p>
-            <a:endParaRPr lang="en-US"/>
+            <a:r>
+              <a:rPr lang="en-US" dirty="0"/>
+              <a:t>5 minutes maximum</a:t>
+            </a:r>
+          </a:p>
+          <a:p>
+            <a:pPr lvl="1"/>
+            <a:r>
+              <a:rPr lang="en-US" dirty="0"/>
+              <a:t>Prototype demo</a:t>
+            </a:r>
           </a:p>
         </p:txBody>
       </p:sp>
     </p:spTree>
     <p:extLst>
       <p:ext uri="{BB962C8B-B14F-4D97-AF65-F5344CB8AC3E}">
-        <p14:creationId xmlns:p14="http://schemas.microsoft.com/office/powerpoint/2010/main" val="2701918667"/>
+        <p14:creationId xmlns:p14="http://schemas.microsoft.com/office/powerpoint/2010/main" val="3613473254"/>
       </p:ext>
     </p:extLst>
   </p:cSld>
@@ -3762,6 +4389,107 @@
           <p:cNvPr id="2" name="Title 1">
             <a:extLst>
               <a:ext uri="{FF2B5EF4-FFF2-40B4-BE49-F238E27FC236}">
+                <a16:creationId xmlns:a16="http://schemas.microsoft.com/office/drawing/2014/main" id="{9332231F-4B89-4B3F-8242-0599760D5888}"/>
+              </a:ext>
+            </a:extLst>
+          </p:cNvPr>
+          <p:cNvSpPr>
+            <a:spLocks noGrp="1"/>
+          </p:cNvSpPr>
+          <p:nvPr>
+            <p:ph type="title"/>
+          </p:nvPr>
+        </p:nvSpPr>
+        <p:spPr/>
+        <p:txBody>
+          <a:bodyPr/>
+          <a:lstStyle/>
+          <a:p>
+            <a:r>
+              <a:rPr lang="en-US" dirty="0"/>
+              <a:t>Learning achievement</a:t>
+            </a:r>
+          </a:p>
+        </p:txBody>
+      </p:sp>
+      <p:sp>
+        <p:nvSpPr>
+          <p:cNvPr id="3" name="Content Placeholder 2">
+            <a:extLst>
+              <a:ext uri="{FF2B5EF4-FFF2-40B4-BE49-F238E27FC236}">
+                <a16:creationId xmlns:a16="http://schemas.microsoft.com/office/drawing/2014/main" id="{140035AD-6BAC-4684-8136-993DD8E14335}"/>
+              </a:ext>
+            </a:extLst>
+          </p:cNvPr>
+          <p:cNvSpPr>
+            <a:spLocks noGrp="1"/>
+          </p:cNvSpPr>
+          <p:nvPr>
+            <p:ph idx="1"/>
+          </p:nvPr>
+        </p:nvSpPr>
+        <p:spPr/>
+        <p:txBody>
+          <a:bodyPr/>
+          <a:lstStyle/>
+          <a:p>
+            <a:r>
+              <a:rPr lang="en-US" dirty="0"/>
+              <a:t>Learned a lot about building CI/CD pipelines</a:t>
+            </a:r>
+          </a:p>
+          <a:p>
+            <a:r>
+              <a:rPr lang="en-US" dirty="0"/>
+              <a:t>Learned about containerization</a:t>
+            </a:r>
+          </a:p>
+          <a:p>
+            <a:r>
+              <a:rPr lang="en-US" dirty="0"/>
+              <a:t>Learned about testing</a:t>
+            </a:r>
+          </a:p>
+          <a:p>
+            <a:endParaRPr lang="en-US" dirty="0"/>
+          </a:p>
+        </p:txBody>
+      </p:sp>
+    </p:spTree>
+    <p:extLst>
+      <p:ext uri="{BB962C8B-B14F-4D97-AF65-F5344CB8AC3E}">
+        <p14:creationId xmlns:p14="http://schemas.microsoft.com/office/powerpoint/2010/main" val="2701918667"/>
+      </p:ext>
+    </p:extLst>
+  </p:cSld>
+  <p:clrMapOvr>
+    <a:masterClrMapping/>
+  </p:clrMapOvr>
+</p:sld>
+</file>
+
+<file path=ppt/slides/slide14.xml><?xml version="1.0" encoding="utf-8"?>
+<p:sld xmlns:a="http://schemas.openxmlformats.org/drawingml/2006/main" xmlns:r="http://schemas.openxmlformats.org/officeDocument/2006/relationships" xmlns:p="http://schemas.openxmlformats.org/presentationml/2006/main">
+  <p:cSld>
+    <p:spTree>
+      <p:nvGrpSpPr>
+        <p:cNvPr id="1" name=""/>
+        <p:cNvGrpSpPr/>
+        <p:nvPr/>
+      </p:nvGrpSpPr>
+      <p:grpSpPr>
+        <a:xfrm>
+          <a:off x="0" y="0"/>
+          <a:ext cx="0" cy="0"/>
+          <a:chOff x="0" y="0"/>
+          <a:chExt cx="0" cy="0"/>
+        </a:xfrm>
+      </p:grpSpPr>
+      <p:sp>
+        <p:nvSpPr>
+          <p:cNvPr id="2" name="Title 1">
+            <a:extLst>
+              <a:ext uri="{FF2B5EF4-FFF2-40B4-BE49-F238E27FC236}">
                 <a16:creationId xmlns:a16="http://schemas.microsoft.com/office/drawing/2014/main" id="{BF19BFD4-781E-456F-BCC6-D5839C7E684F}"/>
               </a:ext>
             </a:extLst>
@@ -3807,129 +4535,27 @@
           <a:lstStyle/>
           <a:p>
             <a:r>
-              <a:rPr lang="fi-FI" sz="1800" u="sng" dirty="0">
-                <a:solidFill>
-                  <a:srgbClr val="467886"/>
-                </a:solidFill>
-                <a:effectLst/>
-                <a:latin typeface="Aptos" panose="020B0004020202020204" pitchFamily="34" charset="0"/>
-                <a:ea typeface="Aptos" panose="020B0004020202020204" pitchFamily="34" charset="0"/>
-                <a:cs typeface="Times New Roman" panose="02020603050405020304" pitchFamily="18" charset="0"/>
-                <a:hlinkClick r:id="rId2"/>
-              </a:rPr>
-              <a:t>Feedback to </a:t>
-            </a:r>
-            <a:r>
-              <a:rPr lang="fi-FI" sz="1800" u="sng" dirty="0" err="1">
-                <a:solidFill>
-                  <a:srgbClr val="467886"/>
-                </a:solidFill>
-                <a:effectLst/>
-                <a:latin typeface="Aptos" panose="020B0004020202020204" pitchFamily="34" charset="0"/>
-                <a:ea typeface="Aptos" panose="020B0004020202020204" pitchFamily="34" charset="0"/>
-                <a:cs typeface="Times New Roman" panose="02020603050405020304" pitchFamily="18" charset="0"/>
-                <a:hlinkClick r:id="rId2"/>
-              </a:rPr>
-              <a:t>the</a:t>
-            </a:r>
-            <a:r>
-              <a:rPr lang="fi-FI" sz="1800" u="sng" dirty="0">
-                <a:solidFill>
-                  <a:srgbClr val="467886"/>
-                </a:solidFill>
-                <a:effectLst/>
-                <a:latin typeface="Aptos" panose="020B0004020202020204" pitchFamily="34" charset="0"/>
-                <a:ea typeface="Aptos" panose="020B0004020202020204" pitchFamily="34" charset="0"/>
-                <a:cs typeface="Times New Roman" panose="02020603050405020304" pitchFamily="18" charset="0"/>
-                <a:hlinkClick r:id="rId2"/>
-              </a:rPr>
-              <a:t> </a:t>
-            </a:r>
-            <a:r>
-              <a:rPr lang="fi-FI" sz="1800" u="sng" dirty="0" err="1">
-                <a:solidFill>
-                  <a:srgbClr val="467886"/>
-                </a:solidFill>
-                <a:effectLst/>
-                <a:latin typeface="Aptos" panose="020B0004020202020204" pitchFamily="34" charset="0"/>
-                <a:ea typeface="Aptos" panose="020B0004020202020204" pitchFamily="34" charset="0"/>
-                <a:cs typeface="Times New Roman" panose="02020603050405020304" pitchFamily="18" charset="0"/>
-                <a:hlinkClick r:id="rId2"/>
-              </a:rPr>
-              <a:t>course</a:t>
-            </a:r>
-            <a:r>
-              <a:rPr lang="fi-FI" sz="1800" u="sng" dirty="0">
-                <a:solidFill>
-                  <a:srgbClr val="467886"/>
-                </a:solidFill>
-                <a:effectLst/>
-                <a:latin typeface="Aptos" panose="020B0004020202020204" pitchFamily="34" charset="0"/>
-                <a:ea typeface="Aptos" panose="020B0004020202020204" pitchFamily="34" charset="0"/>
-                <a:cs typeface="Times New Roman" panose="02020603050405020304" pitchFamily="18" charset="0"/>
-                <a:hlinkClick r:id="rId2"/>
-              </a:rPr>
-              <a:t>:</a:t>
-            </a:r>
-          </a:p>
-          <a:p>
-            <a:pPr lvl="1"/>
-            <a:r>
-              <a:rPr lang="fi-FI" sz="1600" u="sng" dirty="0">
-                <a:solidFill>
-                  <a:srgbClr val="467886"/>
-                </a:solidFill>
-                <a:effectLst/>
-                <a:latin typeface="Aptos" panose="020B0004020202020204" pitchFamily="34" charset="0"/>
-                <a:ea typeface="Aptos" panose="020B0004020202020204" pitchFamily="34" charset="0"/>
-                <a:cs typeface="Times New Roman" panose="02020603050405020304" pitchFamily="18" charset="0"/>
-                <a:hlinkClick r:id="rId2"/>
-              </a:rPr>
-              <a:t>https://ojp.metropolia.fi/lomakkeet/1/lomake.html?code=VFgwMEVZMjctMzAwNg==</a:t>
-            </a:r>
-            <a:endParaRPr lang="fi-FI" sz="1600" u="sng" dirty="0">
-              <a:solidFill>
-                <a:srgbClr val="467886"/>
-              </a:solidFill>
-              <a:effectLst/>
-              <a:latin typeface="Aptos" panose="020B0004020202020204" pitchFamily="34" charset="0"/>
-              <a:ea typeface="Aptos" panose="020B0004020202020204" pitchFamily="34" charset="0"/>
-              <a:cs typeface="Times New Roman" panose="02020603050405020304" pitchFamily="18" charset="0"/>
-            </a:endParaRPr>
-          </a:p>
-          <a:p>
-            <a:pPr lvl="1"/>
-            <a:r>
-              <a:rPr lang="fi-FI" sz="1800" u="sng" kern="100" dirty="0">
-                <a:solidFill>
-                  <a:srgbClr val="467886"/>
-                </a:solidFill>
-                <a:effectLst/>
-                <a:latin typeface="Calibri" panose="020F0502020204030204" pitchFamily="34" charset="0"/>
-                <a:ea typeface="Times New Roman" panose="02020603050405020304" pitchFamily="18" charset="0"/>
-                <a:cs typeface="Times New Roman" panose="02020603050405020304" pitchFamily="18" charset="0"/>
-                <a:hlinkClick r:id="rId3"/>
-              </a:rPr>
-              <a:t>https://ojp.metropolia.fi/lomakkeet/1/lomake.html?code=VFgwMEVZMjctMzAwMw==</a:t>
-            </a:r>
-            <a:endParaRPr lang="fi-FI" sz="1800" kern="100" dirty="0">
-              <a:effectLst/>
-              <a:latin typeface="Calibri" panose="020F0502020204030204" pitchFamily="34" charset="0"/>
-              <a:ea typeface="Times New Roman" panose="02020603050405020304" pitchFamily="18" charset="0"/>
-              <a:cs typeface="Times New Roman" panose="02020603050405020304" pitchFamily="18" charset="0"/>
-            </a:endParaRPr>
-          </a:p>
-          <a:p>
-            <a:pPr lvl="1"/>
-            <a:endParaRPr lang="fi-FI" sz="1600" u="sng" dirty="0">
-              <a:solidFill>
-                <a:srgbClr val="467886"/>
-              </a:solidFill>
-              <a:effectLst/>
-              <a:latin typeface="Aptos" panose="020B0004020202020204" pitchFamily="34" charset="0"/>
-              <a:ea typeface="Aptos" panose="020B0004020202020204" pitchFamily="34" charset="0"/>
-              <a:cs typeface="Times New Roman" panose="02020603050405020304" pitchFamily="18" charset="0"/>
-            </a:endParaRPr>
+              <a:rPr lang="en-US" dirty="0"/>
+              <a:t>Improve security/sanity checks on data going to DB</a:t>
+            </a:r>
+          </a:p>
+          <a:p>
+            <a:r>
+              <a:rPr lang="en-US" dirty="0"/>
+              <a:t>Show upcoming auctions</a:t>
+            </a:r>
+          </a:p>
+          <a:p>
+            <a:r>
+              <a:rPr lang="en-US" dirty="0"/>
+              <a:t>Improve account management</a:t>
+            </a:r>
+          </a:p>
+          <a:p>
+            <a:r>
+              <a:rPr lang="en-US" dirty="0"/>
+              <a:t>Improve testing (playwright for frontend)</a:t>
+            </a:r>
           </a:p>
           <a:p>
             <a:endParaRPr lang="en-US" dirty="0"/>
@@ -4014,7 +4640,9 @@
           </a:xfrm>
         </p:spPr>
         <p:txBody>
-          <a:bodyPr/>
+          <a:bodyPr>
+            <a:normAutofit/>
+          </a:bodyPr>
           <a:lstStyle/>
           <a:p>
             <a:r>
@@ -4059,6 +4687,35 @@
               </a:rPr>
               <a:t>https://trello.com/w/usertyotila67260593</a:t>
             </a:r>
+            <a:endParaRPr lang="en-US" dirty="0"/>
+          </a:p>
+          <a:p>
+            <a:r>
+              <a:rPr lang="en-US" dirty="0"/>
+              <a:t>Frontend image </a:t>
+            </a:r>
+            <a:r>
+              <a:rPr lang="fi-FI" dirty="0">
+                <a:hlinkClick r:id="rId5" tooltip="https://hub.docker.com/r/oomis1/auction_frontend"/>
+              </a:rPr>
+              <a:t>https://hub.docker.com/r/oomis1/auction_frontend</a:t>
+            </a:r>
+            <a:endParaRPr lang="en-US" dirty="0"/>
+          </a:p>
+          <a:p>
+            <a:r>
+              <a:rPr lang="en-US" dirty="0"/>
+              <a:t>Backend image </a:t>
+            </a:r>
+            <a:r>
+              <a:rPr lang="fi-FI" dirty="0">
+                <a:hlinkClick r:id="rId6" tooltip="https://hub.docker.com/r/oomis1/auction_backend"/>
+              </a:rPr>
+              <a:t>https://hub.docker.com/r/oomis1/auction_backend</a:t>
+            </a:r>
+            <a:endParaRPr lang="en-US" dirty="0"/>
+          </a:p>
+          <a:p>
             <a:endParaRPr lang="en-US" dirty="0"/>
           </a:p>
         </p:txBody>
@@ -4587,10 +5244,10 @@
       </p:pic>
       <p:pic>
         <p:nvPicPr>
-          <p:cNvPr id="7" name="Kuva 6">
+          <p:cNvPr id="9" name="Kuva 8">
             <a:extLst>
               <a:ext uri="{FF2B5EF4-FFF2-40B4-BE49-F238E27FC236}">
-                <a16:creationId xmlns:a16="http://schemas.microsoft.com/office/drawing/2014/main" id="{97B1752B-7E96-EC82-19EC-BC051AB909CD}"/>
+                <a16:creationId xmlns:a16="http://schemas.microsoft.com/office/drawing/2014/main" id="{E5902DA7-6FAB-0B23-ADBF-524CE5857244}"/>
               </a:ext>
             </a:extLst>
           </p:cNvPr>
@@ -4607,8 +5264,8 @@
         </p:blipFill>
         <p:spPr>
           <a:xfrm>
-            <a:off x="9029526" y="3038420"/>
-            <a:ext cx="2495898" cy="781159"/>
+            <a:off x="9041092" y="2595446"/>
+            <a:ext cx="2486372" cy="1667108"/>
           </a:xfrm>
           <a:prstGeom prst="rect">
             <a:avLst/>
@@ -4708,10 +5365,10 @@
       </p:sp>
       <p:pic>
         <p:nvPicPr>
-          <p:cNvPr id="5" name="Kuva 4">
+          <p:cNvPr id="7" name="Kuva 6">
             <a:extLst>
               <a:ext uri="{FF2B5EF4-FFF2-40B4-BE49-F238E27FC236}">
-                <a16:creationId xmlns:a16="http://schemas.microsoft.com/office/drawing/2014/main" id="{7E99137C-53D4-2897-68BF-88C78FA8E23D}"/>
+                <a16:creationId xmlns:a16="http://schemas.microsoft.com/office/drawing/2014/main" id="{EDB29304-5435-2D53-FA2B-7D163D1F4E3B}"/>
               </a:ext>
             </a:extLst>
           </p:cNvPr>
@@ -4728,8 +5385,8 @@
         </p:blipFill>
         <p:spPr>
           <a:xfrm>
-            <a:off x="6252985" y="1471339"/>
-            <a:ext cx="2543530" cy="3915321"/>
+            <a:off x="6986411" y="894996"/>
+            <a:ext cx="2524477" cy="5068007"/>
           </a:xfrm>
           <a:prstGeom prst="rect">
             <a:avLst/>
@@ -4791,7 +5448,7 @@
           <a:p>
             <a:r>
               <a:rPr lang="en-US" dirty="0"/>
-              <a:t>Architectural Design (If Applied)</a:t>
+              <a:t>Architectural Design</a:t>
             </a:r>
           </a:p>
         </p:txBody>
@@ -4819,31 +5476,13 @@
           <a:p>
             <a:r>
               <a:rPr lang="en-US" dirty="0"/>
-              <a:t>ER</a:t>
+              <a:t>ER Diagram</a:t>
             </a:r>
           </a:p>
           <a:p>
             <a:r>
               <a:rPr lang="en-US" dirty="0"/>
-              <a:t>Use case</a:t>
-            </a:r>
-          </a:p>
-          <a:p>
-            <a:r>
-              <a:rPr lang="en-US" dirty="0"/>
-              <a:t>Sequence Diagram</a:t>
-            </a:r>
-          </a:p>
-          <a:p>
-            <a:r>
-              <a:rPr lang="en-US" dirty="0"/>
-              <a:t>Activiti diagram</a:t>
-            </a:r>
-          </a:p>
-          <a:p>
-            <a:r>
-              <a:rPr lang="en-US" dirty="0"/>
-              <a:t>Class diagram</a:t>
+              <a:t>Database schema</a:t>
             </a:r>
           </a:p>
         </p:txBody>
@@ -5311,7 +5950,7 @@
           <p:cNvPr id="2" name="Otsikko 1">
             <a:extLst>
               <a:ext uri="{FF2B5EF4-FFF2-40B4-BE49-F238E27FC236}">
-                <a16:creationId xmlns:a16="http://schemas.microsoft.com/office/drawing/2014/main" id="{16844036-A742-44F2-288E-2DD6B8806BF2}"/>
+                <a16:creationId xmlns:a16="http://schemas.microsoft.com/office/drawing/2014/main" id="{BB3C50CC-659C-1AB6-697D-48AF961804E8}"/>
               </a:ext>
             </a:extLst>
           </p:cNvPr>
@@ -5340,22 +5979,22 @@
               </a:lnSpc>
             </a:pPr>
             <a:r>
-              <a:rPr lang="en-US" sz="4600" b="1" cap="all">
+              <a:rPr lang="en-US" sz="5000" b="1" cap="all">
                 <a:solidFill>
                   <a:srgbClr val="FFFFFF"/>
                 </a:solidFill>
               </a:rPr>
-              <a:t>Database Schema Diagram</a:t>
+              <a:t>ER Diagram</a:t>
             </a:r>
           </a:p>
         </p:txBody>
       </p:sp>
       <p:pic>
         <p:nvPicPr>
-          <p:cNvPr id="5" name="Sisällön paikkamerkki 4">
+          <p:cNvPr id="5" name="Sisällön paikkamerkki 4" descr="Kuva, joka sisältää kohteen piirros, luonnos, diagrammi, kuvio&#10;&#10;Tekoälyllä luotu sisältö voi olla virheellistä.">
             <a:extLst>
               <a:ext uri="{FF2B5EF4-FFF2-40B4-BE49-F238E27FC236}">
-                <a16:creationId xmlns:a16="http://schemas.microsoft.com/office/drawing/2014/main" id="{562CA58E-EE88-F8B7-9283-0CDF60907524}"/>
+                <a16:creationId xmlns:a16="http://schemas.microsoft.com/office/drawing/2014/main" id="{9DA0159E-B75F-7C8C-7595-4AE6F3478E25}"/>
               </a:ext>
             </a:extLst>
           </p:cNvPr>
@@ -5367,15 +6006,21 @@
           </p:nvPr>
         </p:nvPicPr>
         <p:blipFill>
-          <a:blip r:embed="rId2"/>
+          <a:blip r:embed="rId2">
+            <a:extLst>
+              <a:ext uri="{28A0092B-C50C-407E-A947-70E740481C1C}">
+                <a14:useLocalDpi xmlns:a14="http://schemas.microsoft.com/office/drawing/2010/main" val="0"/>
+              </a:ext>
+            </a:extLst>
+          </a:blip>
           <a:stretch>
             <a:fillRect/>
           </a:stretch>
         </p:blipFill>
         <p:spPr>
           <a:xfrm>
-            <a:off x="790576" y="478947"/>
-            <a:ext cx="5809892" cy="5519397"/>
+            <a:off x="338229" y="581026"/>
+            <a:ext cx="7105087" cy="5204476"/>
           </a:xfrm>
           <a:prstGeom prst="rect">
             <a:avLst/>
@@ -5385,7 +6030,7 @@
     </p:spTree>
     <p:extLst>
       <p:ext uri="{BB962C8B-B14F-4D97-AF65-F5344CB8AC3E}">
-        <p14:creationId xmlns:p14="http://schemas.microsoft.com/office/powerpoint/2010/main" val="2541448107"/>
+        <p14:creationId xmlns:p14="http://schemas.microsoft.com/office/powerpoint/2010/main" val="3143750829"/>
       </p:ext>
     </p:extLst>
   </p:cSld>
